--- a/02 - Neural Network.pptx
+++ b/02 - Neural Network.pptx
@@ -24135,7 +24135,7 @@
           </a:bodyPr>
           <a:lstStyle/>
           <a:p>
-            <a:pPr>
+            <a:pPr marL="182563" indent="-182563">
               <a:buFont typeface="Arial" pitchFamily="34" charset="0"/>
               <a:buChar char="•"/>
             </a:pPr>
@@ -24166,7 +24166,7 @@
             </a:endParaRPr>
           </a:p>
           <a:p>
-            <a:pPr>
+            <a:pPr marL="182563" indent="-182563">
               <a:buFont typeface="Arial" pitchFamily="34" charset="0"/>
               <a:buChar char="•"/>
             </a:pPr>
@@ -24183,7 +24183,7 @@
             </a:endParaRPr>
           </a:p>
           <a:p>
-            <a:pPr>
+            <a:pPr marL="182563" indent="-182563">
               <a:buFont typeface="Arial" pitchFamily="34" charset="0"/>
               <a:buChar char="•"/>
             </a:pPr>
@@ -24200,7 +24200,7 @@
             </a:endParaRPr>
           </a:p>
           <a:p>
-            <a:pPr>
+            <a:pPr marL="182563" indent="-182563">
               <a:buFont typeface="Arial" pitchFamily="34" charset="0"/>
               <a:buChar char="•"/>
             </a:pPr>
@@ -24217,7 +24217,7 @@
             </a:endParaRPr>
           </a:p>
           <a:p>
-            <a:pPr>
+            <a:pPr marL="182563" indent="-182563">
               <a:buFont typeface="Arial" pitchFamily="34" charset="0"/>
               <a:buChar char="•"/>
             </a:pPr>
@@ -24234,7 +24234,7 @@
             </a:endParaRPr>
           </a:p>
           <a:p>
-            <a:pPr>
+            <a:pPr marL="182563" indent="-182563">
               <a:buFont typeface="Arial" pitchFamily="34" charset="0"/>
               <a:buChar char="•"/>
             </a:pPr>
@@ -24251,7 +24251,7 @@
             </a:endParaRPr>
           </a:p>
           <a:p>
-            <a:pPr>
+            <a:pPr marL="182563" indent="-182563">
               <a:buFont typeface="Arial" pitchFamily="34" charset="0"/>
               <a:buChar char="•"/>
             </a:pPr>
@@ -24268,7 +24268,7 @@
             </a:endParaRPr>
           </a:p>
           <a:p>
-            <a:pPr>
+            <a:pPr marL="182563" indent="-182563">
               <a:buFont typeface="Arial" pitchFamily="34" charset="0"/>
               <a:buChar char="•"/>
             </a:pPr>
@@ -24285,7 +24285,7 @@
             </a:endParaRPr>
           </a:p>
           <a:p>
-            <a:pPr>
+            <a:pPr marL="182563" indent="-182563">
               <a:buFont typeface="Arial" pitchFamily="34" charset="0"/>
               <a:buChar char="•"/>
             </a:pPr>
@@ -24302,12 +24302,14 @@
             </a:endParaRPr>
           </a:p>
           <a:p>
+            <a:pPr marL="182563" indent="-182563"/>
             <a:endParaRPr lang="en-US" altLang="zh-TW" sz="1800" b="1" dirty="0" smtClean="0">
               <a:latin typeface="微軟正黑體" pitchFamily="34" charset="-120"/>
               <a:ea typeface="微軟正黑體" pitchFamily="34" charset="-120"/>
             </a:endParaRPr>
           </a:p>
           <a:p>
+            <a:pPr marL="182563" indent="-182563"/>
             <a:endParaRPr lang="zh-TW" altLang="en-US" sz="1800" b="1" dirty="0">
               <a:latin typeface="微軟正黑體" pitchFamily="34" charset="-120"/>
               <a:ea typeface="微軟正黑體" pitchFamily="34" charset="-120"/>
@@ -29392,7 +29394,7 @@
           </a:bodyPr>
           <a:lstStyle/>
           <a:p>
-            <a:pPr>
+            <a:pPr marL="87313" indent="-87313">
               <a:buFont typeface="Arial" pitchFamily="34" charset="0"/>
               <a:buChar char="•"/>
             </a:pPr>
@@ -29426,7 +29428,7 @@
             </a:endParaRPr>
           </a:p>
           <a:p>
-            <a:pPr>
+            <a:pPr marL="87313" indent="-87313">
               <a:buFont typeface="Arial" pitchFamily="34" charset="0"/>
               <a:buChar char="•"/>
             </a:pPr>
@@ -29470,7 +29472,7 @@
             </a:endParaRPr>
           </a:p>
           <a:p>
-            <a:pPr>
+            <a:pPr marL="87313" indent="-87313">
               <a:buFont typeface="Arial" pitchFamily="34" charset="0"/>
               <a:buChar char="•"/>
             </a:pPr>
@@ -29514,7 +29516,7 @@
             </a:endParaRPr>
           </a:p>
           <a:p>
-            <a:pPr>
+            <a:pPr marL="87313" indent="-87313">
               <a:buFont typeface="Arial" pitchFamily="34" charset="0"/>
               <a:buChar char="•"/>
             </a:pPr>
@@ -29531,7 +29533,7 @@
             </a:endParaRPr>
           </a:p>
           <a:p>
-            <a:pPr>
+            <a:pPr marL="87313" indent="-87313">
               <a:buFont typeface="Arial" pitchFamily="34" charset="0"/>
               <a:buChar char="•"/>
             </a:pPr>
@@ -30691,7 +30693,7 @@
           </a:bodyPr>
           <a:lstStyle/>
           <a:p>
-            <a:pPr>
+            <a:pPr marL="87313" indent="-87313">
               <a:buFont typeface="Arial" pitchFamily="34" charset="0"/>
               <a:buChar char="•"/>
             </a:pPr>
@@ -30714,7 +30716,7 @@
             </a:endParaRPr>
           </a:p>
           <a:p>
-            <a:pPr>
+            <a:pPr marL="87313" indent="-87313">
               <a:buFont typeface="Arial" pitchFamily="34" charset="0"/>
               <a:buChar char="•"/>
             </a:pPr>
@@ -30737,7 +30739,7 @@
             </a:endParaRPr>
           </a:p>
           <a:p>
-            <a:pPr>
+            <a:pPr marL="87313" indent="-87313">
               <a:buFont typeface="Arial" pitchFamily="34" charset="0"/>
               <a:buChar char="•"/>
             </a:pPr>
@@ -30749,7 +30751,27 @@
                 <a:latin typeface="微軟正黑體" pitchFamily="34" charset="-120"/>
                 <a:ea typeface="微軟正黑體" pitchFamily="34" charset="-120"/>
               </a:rPr>
-              <a:t>看是否隨著訓練集的訓練次數增加時，驗證集的準確率提高</a:t>
+              <a:t>看是否</a:t>
+            </a:r>
+            <a:r>
+              <a:rPr lang="zh-TW" altLang="en-US" sz="2000" dirty="0" smtClean="0">
+                <a:solidFill>
+                  <a:schemeClr val="tx1"/>
+                </a:solidFill>
+                <a:latin typeface="微軟正黑體" pitchFamily="34" charset="-120"/>
+                <a:ea typeface="微軟正黑體" pitchFamily="34" charset="-120"/>
+              </a:rPr>
+              <a:t>隨著參數改變時</a:t>
+            </a:r>
+            <a:r>
+              <a:rPr lang="zh-TW" altLang="en-US" sz="2000" dirty="0" smtClean="0">
+                <a:solidFill>
+                  <a:schemeClr val="tx1"/>
+                </a:solidFill>
+                <a:latin typeface="微軟正黑體" pitchFamily="34" charset="-120"/>
+                <a:ea typeface="微軟正黑體" pitchFamily="34" charset="-120"/>
+              </a:rPr>
+              <a:t>，驗證集的準確率提高</a:t>
             </a:r>
             <a:endParaRPr lang="en-US" altLang="zh-TW" sz="2000" dirty="0" smtClean="0">
               <a:solidFill>
@@ -30760,7 +30782,7 @@
             </a:endParaRPr>
           </a:p>
           <a:p>
-            <a:pPr>
+            <a:pPr marL="87313" indent="-87313">
               <a:buFont typeface="Arial" pitchFamily="34" charset="0"/>
               <a:buChar char="•"/>
             </a:pPr>
@@ -31913,7 +31935,7 @@
               <a:buNone/>
             </a:pPr>
             <a:r>
-              <a:rPr lang="en" sz="4400" i="0" u="none" strike="noStrike" cap="none" dirty="0" smtClean="0">
+              <a:rPr lang="en" sz="4400" b="1" i="0" u="none" strike="noStrike" cap="none" dirty="0" smtClean="0">
                 <a:solidFill>
                   <a:srgbClr val="5E5E5E"/>
                 </a:solidFill>
@@ -31924,7 +31946,7 @@
               </a:rPr>
               <a:t>What is neural network?</a:t>
             </a:r>
-            <a:endParaRPr sz="800" dirty="0"/>
+            <a:endParaRPr sz="800" b="1" dirty="0"/>
           </a:p>
         </p:txBody>
       </p:sp>
